--- a/slides/SevillaDotNet - Café Virtual - Miguel Ángel Ramos.pptx
+++ b/slides/SevillaDotNet - Café Virtual - Miguel Ángel Ramos.pptx
@@ -9711,7 +9711,7 @@
         <p:spPr>
           <a:xfrm>
             <a:off x="597876" y="1850059"/>
-            <a:ext cx="10900217" cy="3416320"/>
+            <a:ext cx="10900217" cy="4401205"/>
           </a:xfrm>
           <a:prstGeom prst="rect">
             <a:avLst/>
@@ -9725,162 +9725,79 @@
           <a:lstStyle/>
           <a:p>
             <a:r>
-              <a:rPr lang="en-US" sz="2400" dirty="0">
+              <a:rPr lang="es-ES" sz="3200" dirty="0">
                 <a:solidFill>
                   <a:schemeClr val="bg1"/>
                 </a:solidFill>
-                <a:ea typeface="+mn-lt"/>
-                <a:cs typeface="+mn-lt"/>
               </a:rPr>
-              <a:t>Soy un </a:t>
+              <a:t>Miguel, sevillano, es Senior </a:t>
             </a:r>
             <a:r>
-              <a:rPr lang="en-US" sz="2400" dirty="0" err="1">
+              <a:rPr lang="es-ES" sz="3200" dirty="0" err="1">
                 <a:solidFill>
                   <a:schemeClr val="bg1"/>
                 </a:solidFill>
-                <a:ea typeface="+mn-lt"/>
-                <a:cs typeface="+mn-lt"/>
               </a:rPr>
-              <a:t>Ingeniero</a:t>
+              <a:t>Product</a:t>
             </a:r>
             <a:r>
-              <a:rPr lang="en-US" sz="2400" dirty="0">
+              <a:rPr lang="es-ES" sz="3200" dirty="0">
                 <a:solidFill>
                   <a:schemeClr val="bg1"/>
                 </a:solidFill>
-                <a:ea typeface="+mn-lt"/>
-                <a:cs typeface="+mn-lt"/>
               </a:rPr>
-              <a:t> en </a:t>
+              <a:t> Lead con más de 20 años de experiencia en la industria de la tecnología. </a:t>
             </a:r>
             <a:r>
-              <a:rPr lang="en-US" sz="2400" dirty="0" err="1">
+              <a:rPr lang="es-ES" sz="3200" dirty="0">
                 <a:solidFill>
                   <a:schemeClr val="bg1"/>
                 </a:solidFill>
-                <a:ea typeface="+mn-lt"/>
-                <a:cs typeface="+mn-lt"/>
+                <a:effectLst/>
               </a:rPr>
-              <a:t>Informática</a:t>
+              <a:t>Le encanta crear productos desde la concepción hasta el lanzamiento y ha participado en varios lanzamientos importantes.</a:t>
             </a:r>
-            <a:r>
-              <a:rPr lang="en-US" sz="2400" dirty="0">
-                <a:solidFill>
-                  <a:schemeClr val="bg1"/>
-                </a:solidFill>
-                <a:ea typeface="+mn-lt"/>
-                <a:cs typeface="+mn-lt"/>
-              </a:rPr>
-              <a:t> que </a:t>
-            </a:r>
-            <a:r>
-              <a:rPr lang="en-US" sz="2400" dirty="0" err="1">
-                <a:solidFill>
-                  <a:schemeClr val="bg1"/>
-                </a:solidFill>
-                <a:ea typeface="+mn-lt"/>
-                <a:cs typeface="+mn-lt"/>
-              </a:rPr>
-              <a:t>siempre</a:t>
-            </a:r>
-            <a:r>
-              <a:rPr lang="en-US" sz="2400" dirty="0">
-                <a:solidFill>
-                  <a:schemeClr val="bg1"/>
-                </a:solidFill>
-                <a:ea typeface="+mn-lt"/>
-                <a:cs typeface="+mn-lt"/>
-              </a:rPr>
-              <a:t> ha </a:t>
-            </a:r>
-            <a:r>
-              <a:rPr lang="en-US" sz="2400" dirty="0" err="1">
-                <a:solidFill>
-                  <a:schemeClr val="bg1"/>
-                </a:solidFill>
-                <a:ea typeface="+mn-lt"/>
-                <a:cs typeface="+mn-lt"/>
-              </a:rPr>
-              <a:t>tenido</a:t>
-            </a:r>
-            <a:r>
-              <a:rPr lang="en-US" sz="2400" dirty="0">
-                <a:solidFill>
-                  <a:schemeClr val="bg1"/>
-                </a:solidFill>
-                <a:ea typeface="+mn-lt"/>
-                <a:cs typeface="+mn-lt"/>
-              </a:rPr>
-              <a:t> </a:t>
-            </a:r>
-            <a:r>
-              <a:rPr lang="en-US" sz="2400" dirty="0" err="1">
-                <a:solidFill>
-                  <a:schemeClr val="bg1"/>
-                </a:solidFill>
-                <a:ea typeface="+mn-lt"/>
-                <a:cs typeface="+mn-lt"/>
-              </a:rPr>
-              <a:t>pasión</a:t>
-            </a:r>
-            <a:r>
-              <a:rPr lang="en-US" sz="2400" dirty="0">
-                <a:solidFill>
-                  <a:schemeClr val="bg1"/>
-                </a:solidFill>
-                <a:ea typeface="+mn-lt"/>
-                <a:cs typeface="+mn-lt"/>
-              </a:rPr>
-              <a:t> por los </a:t>
-            </a:r>
-            <a:r>
-              <a:rPr lang="en-US" sz="2400" dirty="0" err="1">
-                <a:solidFill>
-                  <a:schemeClr val="bg1"/>
-                </a:solidFill>
-                <a:ea typeface="+mn-lt"/>
-                <a:cs typeface="+mn-lt"/>
-              </a:rPr>
-              <a:t>gráficos</a:t>
-            </a:r>
-            <a:r>
-              <a:rPr lang="en-US" sz="2400" dirty="0">
-                <a:solidFill>
-                  <a:schemeClr val="bg1"/>
-                </a:solidFill>
-                <a:ea typeface="+mn-lt"/>
-                <a:cs typeface="+mn-lt"/>
-              </a:rPr>
-              <a:t> 3D y la </a:t>
-            </a:r>
-            <a:r>
-              <a:rPr lang="en-US" sz="2400" dirty="0" err="1">
-                <a:solidFill>
-                  <a:schemeClr val="bg1"/>
-                </a:solidFill>
-                <a:ea typeface="+mn-lt"/>
-                <a:cs typeface="+mn-lt"/>
-              </a:rPr>
-              <a:t>arquitectura</a:t>
-            </a:r>
-            <a:r>
-              <a:rPr lang="en-US" sz="2400" dirty="0">
-                <a:solidFill>
-                  <a:schemeClr val="bg1"/>
-                </a:solidFill>
-                <a:ea typeface="+mn-lt"/>
-                <a:cs typeface="+mn-lt"/>
-              </a:rPr>
-              <a:t> de software.</a:t>
-            </a:r>
-            <a:endParaRPr lang="es-ES" sz="3600" dirty="0">
+          </a:p>
+          <a:p>
+            <a:endParaRPr lang="es-ES" sz="3200" dirty="0">
               <a:solidFill>
                 <a:schemeClr val="bg1"/>
               </a:solidFill>
               <a:ea typeface="+mn-lt"/>
               <a:cs typeface="+mn-lt"/>
             </a:endParaRPr>
+          </a:p>
+          <a:p>
+            <a:r>
+              <a:rPr lang="es-ES" sz="3200" dirty="0">
+                <a:solidFill>
+                  <a:schemeClr val="bg1"/>
+                </a:solidFill>
+                <a:ea typeface="+mn-lt"/>
+                <a:cs typeface="+mn-lt"/>
+              </a:rPr>
+              <a:t>Actualmente es PM en el equipo de ingeniería de UWP/XAML/</a:t>
+            </a:r>
+            <a:r>
+              <a:rPr lang="es-ES" sz="3200" dirty="0" err="1">
+                <a:solidFill>
+                  <a:schemeClr val="bg1"/>
+                </a:solidFill>
+                <a:ea typeface="+mn-lt"/>
+                <a:cs typeface="+mn-lt"/>
+              </a:rPr>
+              <a:t>WinUI</a:t>
+            </a:r>
+            <a:r>
+              <a:rPr lang="es-ES" sz="3200" dirty="0">
+                <a:solidFill>
+                  <a:schemeClr val="bg1"/>
+                </a:solidFill>
+                <a:ea typeface="+mn-lt"/>
+                <a:cs typeface="+mn-lt"/>
+              </a:rPr>
+              <a:t>.</a:t>
+            </a:r>
           </a:p>
           <a:p>
             <a:endParaRPr lang="en-US" sz="2400" dirty="0">
@@ -9890,355 +9807,6 @@
               <a:ea typeface="+mn-lt"/>
               <a:cs typeface="+mn-lt"/>
             </a:endParaRPr>
-          </a:p>
-          <a:p>
-            <a:r>
-              <a:rPr lang="en-US" sz="2400" dirty="0">
-                <a:solidFill>
-                  <a:schemeClr val="bg1"/>
-                </a:solidFill>
-                <a:ea typeface="+mn-lt"/>
-                <a:cs typeface="+mn-lt"/>
-              </a:rPr>
-              <a:t>Mis </a:t>
-            </a:r>
-            <a:r>
-              <a:rPr lang="en-US" sz="2400" dirty="0" err="1">
-                <a:solidFill>
-                  <a:schemeClr val="bg1"/>
-                </a:solidFill>
-                <a:ea typeface="+mn-lt"/>
-                <a:cs typeface="+mn-lt"/>
-              </a:rPr>
-              <a:t>logros</a:t>
-            </a:r>
-            <a:r>
-              <a:rPr lang="en-US" sz="2400" dirty="0">
-                <a:solidFill>
-                  <a:schemeClr val="bg1"/>
-                </a:solidFill>
-                <a:ea typeface="+mn-lt"/>
-                <a:cs typeface="+mn-lt"/>
-              </a:rPr>
-              <a:t> </a:t>
-            </a:r>
-            <a:r>
-              <a:rPr lang="en-US" sz="2400" dirty="0" err="1">
-                <a:solidFill>
-                  <a:schemeClr val="bg1"/>
-                </a:solidFill>
-                <a:ea typeface="+mn-lt"/>
-                <a:cs typeface="+mn-lt"/>
-              </a:rPr>
-              <a:t>profesionales</a:t>
-            </a:r>
-            <a:r>
-              <a:rPr lang="en-US" sz="2400" dirty="0">
-                <a:solidFill>
-                  <a:schemeClr val="bg1"/>
-                </a:solidFill>
-                <a:ea typeface="+mn-lt"/>
-                <a:cs typeface="+mn-lt"/>
-              </a:rPr>
-              <a:t> </a:t>
-            </a:r>
-            <a:r>
-              <a:rPr lang="en-US" sz="2400" dirty="0" err="1">
-                <a:solidFill>
-                  <a:schemeClr val="bg1"/>
-                </a:solidFill>
-                <a:ea typeface="+mn-lt"/>
-                <a:cs typeface="+mn-lt"/>
-              </a:rPr>
-              <a:t>incluyen</a:t>
-            </a:r>
-            <a:r>
-              <a:rPr lang="en-US" sz="2400" dirty="0">
-                <a:solidFill>
-                  <a:schemeClr val="bg1"/>
-                </a:solidFill>
-                <a:ea typeface="+mn-lt"/>
-                <a:cs typeface="+mn-lt"/>
-              </a:rPr>
-              <a:t> </a:t>
-            </a:r>
-            <a:r>
-              <a:rPr lang="en-US" sz="2400" dirty="0" err="1">
-                <a:solidFill>
-                  <a:schemeClr val="bg1"/>
-                </a:solidFill>
-                <a:ea typeface="+mn-lt"/>
-                <a:cs typeface="+mn-lt"/>
-              </a:rPr>
-              <a:t>haber</a:t>
-            </a:r>
-            <a:r>
-              <a:rPr lang="en-US" sz="2400" dirty="0">
-                <a:solidFill>
-                  <a:schemeClr val="bg1"/>
-                </a:solidFill>
-                <a:ea typeface="+mn-lt"/>
-                <a:cs typeface="+mn-lt"/>
-              </a:rPr>
-              <a:t> </a:t>
-            </a:r>
-            <a:r>
-              <a:rPr lang="en-US" sz="2400" dirty="0" err="1">
-                <a:solidFill>
-                  <a:schemeClr val="bg1"/>
-                </a:solidFill>
-                <a:ea typeface="+mn-lt"/>
-                <a:cs typeface="+mn-lt"/>
-              </a:rPr>
-              <a:t>sido</a:t>
-            </a:r>
-            <a:r>
-              <a:rPr lang="en-US" sz="2400" dirty="0">
-                <a:solidFill>
-                  <a:schemeClr val="bg1"/>
-                </a:solidFill>
-                <a:ea typeface="+mn-lt"/>
-                <a:cs typeface="+mn-lt"/>
-              </a:rPr>
-              <a:t> MVP para Windows DirectX y DirectX XNA </a:t>
-            </a:r>
-            <a:r>
-              <a:rPr lang="en-US" sz="2400" dirty="0" err="1">
-                <a:solidFill>
-                  <a:schemeClr val="bg1"/>
-                </a:solidFill>
-                <a:ea typeface="+mn-lt"/>
-                <a:cs typeface="+mn-lt"/>
-              </a:rPr>
-              <a:t>durante</a:t>
-            </a:r>
-            <a:r>
-              <a:rPr lang="en-US" sz="2400" dirty="0">
-                <a:solidFill>
-                  <a:schemeClr val="bg1"/>
-                </a:solidFill>
-                <a:ea typeface="+mn-lt"/>
-                <a:cs typeface="+mn-lt"/>
-              </a:rPr>
-              <a:t> los </a:t>
-            </a:r>
-            <a:r>
-              <a:rPr lang="en-US" sz="2400" dirty="0" err="1">
-                <a:solidFill>
-                  <a:schemeClr val="bg1"/>
-                </a:solidFill>
-                <a:ea typeface="+mn-lt"/>
-                <a:cs typeface="+mn-lt"/>
-              </a:rPr>
-              <a:t>últimos</a:t>
-            </a:r>
-            <a:r>
-              <a:rPr lang="en-US" sz="2400" dirty="0">
-                <a:solidFill>
-                  <a:schemeClr val="bg1"/>
-                </a:solidFill>
-                <a:ea typeface="+mn-lt"/>
-                <a:cs typeface="+mn-lt"/>
-              </a:rPr>
-              <a:t> </a:t>
-            </a:r>
-            <a:r>
-              <a:rPr lang="en-US" sz="2400" dirty="0" err="1">
-                <a:solidFill>
-                  <a:schemeClr val="bg1"/>
-                </a:solidFill>
-                <a:ea typeface="+mn-lt"/>
-                <a:cs typeface="+mn-lt"/>
-              </a:rPr>
-              <a:t>nueve</a:t>
-            </a:r>
-            <a:r>
-              <a:rPr lang="en-US" sz="2400" dirty="0">
-                <a:solidFill>
-                  <a:schemeClr val="bg1"/>
-                </a:solidFill>
-                <a:ea typeface="+mn-lt"/>
-                <a:cs typeface="+mn-lt"/>
-              </a:rPr>
-              <a:t> </a:t>
-            </a:r>
-            <a:r>
-              <a:rPr lang="en-US" sz="2400" dirty="0" err="1">
-                <a:solidFill>
-                  <a:schemeClr val="bg1"/>
-                </a:solidFill>
-                <a:ea typeface="+mn-lt"/>
-                <a:cs typeface="+mn-lt"/>
-              </a:rPr>
-              <a:t>años</a:t>
-            </a:r>
-            <a:r>
-              <a:rPr lang="en-US" sz="2400" dirty="0">
-                <a:solidFill>
-                  <a:schemeClr val="bg1"/>
-                </a:solidFill>
-                <a:ea typeface="+mn-lt"/>
-                <a:cs typeface="+mn-lt"/>
-              </a:rPr>
-              <a:t>, Xbox Ambassador, </a:t>
-            </a:r>
-            <a:r>
-              <a:rPr lang="en-US" sz="2400" dirty="0" err="1">
-                <a:solidFill>
-                  <a:schemeClr val="bg1"/>
-                </a:solidFill>
-                <a:ea typeface="+mn-lt"/>
-                <a:cs typeface="+mn-lt"/>
-              </a:rPr>
-              <a:t>así</a:t>
-            </a:r>
-            <a:r>
-              <a:rPr lang="en-US" sz="2400" dirty="0">
-                <a:solidFill>
-                  <a:schemeClr val="bg1"/>
-                </a:solidFill>
-                <a:ea typeface="+mn-lt"/>
-                <a:cs typeface="+mn-lt"/>
-              </a:rPr>
-              <a:t> </a:t>
-            </a:r>
-            <a:r>
-              <a:rPr lang="en-US" sz="2400" dirty="0" err="1">
-                <a:solidFill>
-                  <a:schemeClr val="bg1"/>
-                </a:solidFill>
-                <a:ea typeface="+mn-lt"/>
-                <a:cs typeface="+mn-lt"/>
-              </a:rPr>
-              <a:t>como</a:t>
-            </a:r>
-            <a:r>
-              <a:rPr lang="en-US" sz="2400" dirty="0">
-                <a:solidFill>
-                  <a:schemeClr val="bg1"/>
-                </a:solidFill>
-                <a:ea typeface="+mn-lt"/>
-                <a:cs typeface="+mn-lt"/>
-              </a:rPr>
-              <a:t> Microsoft Student Partner y Microsoft Most Valuable Student </a:t>
-            </a:r>
-            <a:r>
-              <a:rPr lang="en-US" sz="2400" dirty="0" err="1">
-                <a:solidFill>
-                  <a:schemeClr val="bg1"/>
-                </a:solidFill>
-                <a:ea typeface="+mn-lt"/>
-                <a:cs typeface="+mn-lt"/>
-              </a:rPr>
-              <a:t>durante</a:t>
-            </a:r>
-            <a:r>
-              <a:rPr lang="en-US" sz="2400" dirty="0">
-                <a:solidFill>
-                  <a:schemeClr val="bg1"/>
-                </a:solidFill>
-                <a:ea typeface="+mn-lt"/>
-                <a:cs typeface="+mn-lt"/>
-              </a:rPr>
-              <a:t> mis </a:t>
-            </a:r>
-            <a:r>
-              <a:rPr lang="en-US" sz="2400" dirty="0" err="1">
-                <a:solidFill>
-                  <a:schemeClr val="bg1"/>
-                </a:solidFill>
-                <a:ea typeface="+mn-lt"/>
-                <a:cs typeface="+mn-lt"/>
-              </a:rPr>
-              <a:t>años</a:t>
-            </a:r>
-            <a:r>
-              <a:rPr lang="en-US" sz="2400" dirty="0">
-                <a:solidFill>
-                  <a:schemeClr val="bg1"/>
-                </a:solidFill>
-                <a:ea typeface="+mn-lt"/>
-                <a:cs typeface="+mn-lt"/>
-              </a:rPr>
-              <a:t> en la Universidad.</a:t>
-            </a:r>
-            <a:endParaRPr lang="en-US" sz="3600" dirty="0">
-              <a:solidFill>
-                <a:schemeClr val="bg1"/>
-              </a:solidFill>
-              <a:cs typeface="Arial"/>
-            </a:endParaRPr>
-          </a:p>
-          <a:p>
-            <a:endParaRPr lang="en-US" sz="2400" dirty="0">
-              <a:solidFill>
-                <a:schemeClr val="bg1"/>
-              </a:solidFill>
-              <a:ea typeface="+mn-lt"/>
-              <a:cs typeface="+mn-lt"/>
-            </a:endParaRPr>
-          </a:p>
-          <a:p>
-            <a:r>
-              <a:rPr lang="en-US" sz="2400" dirty="0" err="1">
-                <a:solidFill>
-                  <a:schemeClr val="bg1"/>
-                </a:solidFill>
-                <a:ea typeface="+mn-lt"/>
-                <a:cs typeface="+mn-lt"/>
-              </a:rPr>
-              <a:t>Actualmente</a:t>
-            </a:r>
-            <a:r>
-              <a:rPr lang="en-US" sz="2400" dirty="0">
-                <a:solidFill>
-                  <a:schemeClr val="bg1"/>
-                </a:solidFill>
-                <a:ea typeface="+mn-lt"/>
-                <a:cs typeface="+mn-lt"/>
-              </a:rPr>
-              <a:t> </a:t>
-            </a:r>
-            <a:r>
-              <a:rPr lang="en-US" sz="2400" dirty="0" err="1">
-                <a:solidFill>
-                  <a:schemeClr val="bg1"/>
-                </a:solidFill>
-                <a:ea typeface="+mn-lt"/>
-                <a:cs typeface="+mn-lt"/>
-              </a:rPr>
-              <a:t>trabajo</a:t>
-            </a:r>
-            <a:r>
-              <a:rPr lang="en-US" sz="2400" dirty="0">
-                <a:solidFill>
-                  <a:schemeClr val="bg1"/>
-                </a:solidFill>
-                <a:ea typeface="+mn-lt"/>
-                <a:cs typeface="+mn-lt"/>
-              </a:rPr>
-              <a:t> en Plain Concepts </a:t>
-            </a:r>
-            <a:r>
-              <a:rPr lang="en-US" sz="2400" dirty="0" err="1">
-                <a:solidFill>
-                  <a:schemeClr val="bg1"/>
-                </a:solidFill>
-                <a:ea typeface="+mn-lt"/>
-                <a:cs typeface="+mn-lt"/>
-              </a:rPr>
-              <a:t>como</a:t>
-            </a:r>
-            <a:r>
-              <a:rPr lang="en-US" sz="2400" dirty="0">
-                <a:solidFill>
-                  <a:schemeClr val="bg1"/>
-                </a:solidFill>
-                <a:ea typeface="+mn-lt"/>
-                <a:cs typeface="+mn-lt"/>
-              </a:rPr>
-              <a:t> Research Team Lead.</a:t>
-            </a:r>
           </a:p>
         </p:txBody>
       </p:sp>
